--- a/論文ver1/理論專區/動態能力理論(Dynamic Capabilities Theory).pptx
+++ b/論文ver1/理論專區/動態能力理論(Dynamic Capabilities Theory).pptx
@@ -14837,7 +14837,7 @@
           <a:p>
             <a:fld id="{694F2004-78E3-4508-9DBB-1975DDBA9B95}" type="datetimeFigureOut">
               <a:rPr lang="zh-TW" altLang="en-US" smtClean="0"/>
-              <a:t>2024/12/19</a:t>
+              <a:t>2025/3/25</a:t>
             </a:fld>
             <a:endParaRPr lang="zh-TW" altLang="en-US"/>
           </a:p>
@@ -15035,7 +15035,7 @@
           <a:p>
             <a:fld id="{694F2004-78E3-4508-9DBB-1975DDBA9B95}" type="datetimeFigureOut">
               <a:rPr lang="zh-TW" altLang="en-US" smtClean="0"/>
-              <a:t>2024/12/19</a:t>
+              <a:t>2025/3/25</a:t>
             </a:fld>
             <a:endParaRPr lang="zh-TW" altLang="en-US"/>
           </a:p>
@@ -15243,7 +15243,7 @@
           <a:p>
             <a:fld id="{694F2004-78E3-4508-9DBB-1975DDBA9B95}" type="datetimeFigureOut">
               <a:rPr lang="zh-TW" altLang="en-US" smtClean="0"/>
-              <a:t>2024/12/19</a:t>
+              <a:t>2025/3/25</a:t>
             </a:fld>
             <a:endParaRPr lang="zh-TW" altLang="en-US"/>
           </a:p>
@@ -15441,7 +15441,7 @@
           <a:p>
             <a:fld id="{694F2004-78E3-4508-9DBB-1975DDBA9B95}" type="datetimeFigureOut">
               <a:rPr lang="zh-TW" altLang="en-US" smtClean="0"/>
-              <a:t>2024/12/19</a:t>
+              <a:t>2025/3/25</a:t>
             </a:fld>
             <a:endParaRPr lang="zh-TW" altLang="en-US"/>
           </a:p>
@@ -15716,7 +15716,7 @@
           <a:p>
             <a:fld id="{694F2004-78E3-4508-9DBB-1975DDBA9B95}" type="datetimeFigureOut">
               <a:rPr lang="zh-TW" altLang="en-US" smtClean="0"/>
-              <a:t>2024/12/19</a:t>
+              <a:t>2025/3/25</a:t>
             </a:fld>
             <a:endParaRPr lang="zh-TW" altLang="en-US"/>
           </a:p>
@@ -15981,7 +15981,7 @@
           <a:p>
             <a:fld id="{694F2004-78E3-4508-9DBB-1975DDBA9B95}" type="datetimeFigureOut">
               <a:rPr lang="zh-TW" altLang="en-US" smtClean="0"/>
-              <a:t>2024/12/19</a:t>
+              <a:t>2025/3/25</a:t>
             </a:fld>
             <a:endParaRPr lang="zh-TW" altLang="en-US"/>
           </a:p>
@@ -16393,7 +16393,7 @@
           <a:p>
             <a:fld id="{694F2004-78E3-4508-9DBB-1975DDBA9B95}" type="datetimeFigureOut">
               <a:rPr lang="zh-TW" altLang="en-US" smtClean="0"/>
-              <a:t>2024/12/19</a:t>
+              <a:t>2025/3/25</a:t>
             </a:fld>
             <a:endParaRPr lang="zh-TW" altLang="en-US"/>
           </a:p>
@@ -16534,7 +16534,7 @@
           <a:p>
             <a:fld id="{694F2004-78E3-4508-9DBB-1975DDBA9B95}" type="datetimeFigureOut">
               <a:rPr lang="zh-TW" altLang="en-US" smtClean="0"/>
-              <a:t>2024/12/19</a:t>
+              <a:t>2025/3/25</a:t>
             </a:fld>
             <a:endParaRPr lang="zh-TW" altLang="en-US"/>
           </a:p>
@@ -16647,7 +16647,7 @@
           <a:p>
             <a:fld id="{694F2004-78E3-4508-9DBB-1975DDBA9B95}" type="datetimeFigureOut">
               <a:rPr lang="zh-TW" altLang="en-US" smtClean="0"/>
-              <a:t>2024/12/19</a:t>
+              <a:t>2025/3/25</a:t>
             </a:fld>
             <a:endParaRPr lang="zh-TW" altLang="en-US"/>
           </a:p>
@@ -16958,7 +16958,7 @@
           <a:p>
             <a:fld id="{694F2004-78E3-4508-9DBB-1975DDBA9B95}" type="datetimeFigureOut">
               <a:rPr lang="zh-TW" altLang="en-US" smtClean="0"/>
-              <a:t>2024/12/19</a:t>
+              <a:t>2025/3/25</a:t>
             </a:fld>
             <a:endParaRPr lang="zh-TW" altLang="en-US"/>
           </a:p>
@@ -17246,7 +17246,7 @@
           <a:p>
             <a:fld id="{694F2004-78E3-4508-9DBB-1975DDBA9B95}" type="datetimeFigureOut">
               <a:rPr lang="zh-TW" altLang="en-US" smtClean="0"/>
-              <a:t>2024/12/19</a:t>
+              <a:t>2025/3/25</a:t>
             </a:fld>
             <a:endParaRPr lang="zh-TW" altLang="en-US"/>
           </a:p>
@@ -17487,7 +17487,7 @@
           <a:p>
             <a:fld id="{694F2004-78E3-4508-9DBB-1975DDBA9B95}" type="datetimeFigureOut">
               <a:rPr lang="zh-TW" altLang="en-US" smtClean="0"/>
-              <a:t>2024/12/19</a:t>
+              <a:t>2025/3/25</a:t>
             </a:fld>
             <a:endParaRPr lang="zh-TW" altLang="en-US"/>
           </a:p>
